--- a/assets/Word2Vec_Illustrations.pptx
+++ b/assets/Word2Vec_Illustrations.pptx
@@ -104,6 +104,11 @@
       </a:defRPr>
     </a:lvl9pPr>
   </p:defaultTextStyle>
+  <p:extLst>
+    <p:ext uri="{EFAFB233-063F-42B5-8137-9DF3F51BA10A}">
+      <p15:sldGuideLst xmlns:p15="http://schemas.microsoft.com/office/powerpoint/2012/main"/>
+    </p:ext>
+  </p:extLst>
 </p:presentation>
 </file>
 
@@ -3727,9 +3732,7 @@
           <a:prstGeom prst="ellipse">
             <a:avLst/>
           </a:prstGeom>
-          <a:solidFill>
-            <a:schemeClr val="bg1"/>
-          </a:solidFill>
+          <a:noFill/>
           <a:ln>
             <a:solidFill>
               <a:schemeClr val="accent2"/>
@@ -3841,9 +3844,7 @@
           <a:prstGeom prst="ellipse">
             <a:avLst/>
           </a:prstGeom>
-          <a:solidFill>
-            <a:schemeClr val="bg1"/>
-          </a:solidFill>
+          <a:noFill/>
           <a:ln>
             <a:solidFill>
               <a:schemeClr val="accent2"/>
@@ -3922,9 +3923,7 @@
           <a:prstGeom prst="ellipse">
             <a:avLst/>
           </a:prstGeom>
-          <a:solidFill>
-            <a:schemeClr val="bg1"/>
-          </a:solidFill>
+          <a:noFill/>
           <a:ln>
             <a:solidFill>
               <a:schemeClr val="accent2"/>
@@ -4158,7 +4157,7 @@
         </p:nvSpPr>
         <p:spPr>
           <a:xfrm>
-            <a:off x="6978924" y="2885142"/>
+            <a:off x="7092952" y="2885142"/>
             <a:ext cx="609600" cy="914400"/>
           </a:xfrm>
           <a:prstGeom prst="rect">
@@ -4200,24 +4199,22 @@
       </p:sp>
       <p:sp>
         <p:nvSpPr>
-          <p:cNvPr id="51" name="Rectangle 50"/>
+          <p:cNvPr id="52" name="Oval 51"/>
           <p:cNvSpPr/>
           <p:nvPr/>
         </p:nvSpPr>
         <p:spPr>
           <a:xfrm>
-            <a:off x="7112002" y="2885142"/>
-            <a:ext cx="609600" cy="914400"/>
-          </a:xfrm>
-          <a:prstGeom prst="rect">
-            <a:avLst/>
-          </a:prstGeom>
-          <a:solidFill>
-            <a:schemeClr val="bg1"/>
-          </a:solidFill>
+            <a:off x="6984966" y="2059570"/>
+            <a:ext cx="825572" cy="825572"/>
+          </a:xfrm>
+          <a:prstGeom prst="ellipse">
+            <a:avLst/>
+          </a:prstGeom>
+          <a:noFill/>
           <a:ln>
             <a:solidFill>
-              <a:schemeClr val="bg1"/>
+              <a:srgbClr val="FF0000"/>
             </a:solidFill>
           </a:ln>
         </p:spPr>
@@ -4248,61 +4245,13 @@
       </p:sp>
       <p:sp>
         <p:nvSpPr>
-          <p:cNvPr id="52" name="Oval 51"/>
-          <p:cNvSpPr/>
-          <p:nvPr/>
-        </p:nvSpPr>
-        <p:spPr>
-          <a:xfrm>
-            <a:off x="6991552" y="2059570"/>
-            <a:ext cx="825572" cy="825572"/>
-          </a:xfrm>
-          <a:prstGeom prst="ellipse">
-            <a:avLst/>
-          </a:prstGeom>
-          <a:solidFill>
-            <a:schemeClr val="bg1"/>
-          </a:solidFill>
-          <a:ln>
-            <a:solidFill>
-              <a:srgbClr val="FF0000"/>
-            </a:solidFill>
-          </a:ln>
-        </p:spPr>
-        <p:style>
-          <a:lnRef idx="2">
-            <a:schemeClr val="accent1">
-              <a:shade val="50000"/>
-            </a:schemeClr>
-          </a:lnRef>
-          <a:fillRef idx="1">
-            <a:schemeClr val="accent1"/>
-          </a:fillRef>
-          <a:effectRef idx="0">
-            <a:schemeClr val="accent1"/>
-          </a:effectRef>
-          <a:fontRef idx="minor">
-            <a:schemeClr val="lt1"/>
-          </a:fontRef>
-        </p:style>
-        <p:txBody>
-          <a:bodyPr rtlCol="0" anchor="ctr"/>
-          <a:lstStyle/>
-          <a:p>
-            <a:pPr algn="ctr"/>
-            <a:endParaRPr lang="en-US"/>
-          </a:p>
-        </p:txBody>
-      </p:sp>
-      <p:sp>
-        <p:nvSpPr>
           <p:cNvPr id="53" name="TextBox 52"/>
           <p:cNvSpPr txBox="1"/>
           <p:nvPr/>
         </p:nvSpPr>
         <p:spPr>
           <a:xfrm>
-            <a:off x="7188202" y="2143369"/>
+            <a:off x="7178782" y="2143369"/>
             <a:ext cx="437940" cy="646331"/>
           </a:xfrm>
           <a:prstGeom prst="rect">
@@ -4335,7 +4284,7 @@
         </p:nvCxnSpPr>
         <p:spPr>
           <a:xfrm>
-            <a:off x="7416802" y="3057769"/>
+            <a:off x="7397752" y="3057769"/>
             <a:ext cx="0" cy="486000"/>
           </a:xfrm>
           <a:prstGeom prst="line">
@@ -4372,7 +4321,7 @@
         <p:spPr>
           <a:xfrm>
             <a:off x="5132613" y="1978861"/>
-            <a:ext cx="1858939" cy="493495"/>
+            <a:ext cx="1852353" cy="493495"/>
           </a:xfrm>
           <a:prstGeom prst="straightConnector1">
             <a:avLst/>
@@ -4408,7 +4357,7 @@
         <p:spPr>
           <a:xfrm>
             <a:off x="5132613" y="1978861"/>
-            <a:ext cx="1830052" cy="2107711"/>
+            <a:ext cx="1852353" cy="2107711"/>
           </a:xfrm>
           <a:prstGeom prst="straightConnector1">
             <a:avLst/>
@@ -4444,7 +4393,7 @@
         <p:spPr>
           <a:xfrm flipV="1">
             <a:off x="5132613" y="2472356"/>
-            <a:ext cx="1858939" cy="642600"/>
+            <a:ext cx="1852353" cy="642600"/>
           </a:xfrm>
           <a:prstGeom prst="straightConnector1">
             <a:avLst/>
@@ -4480,7 +4429,7 @@
         <p:spPr>
           <a:xfrm flipV="1">
             <a:off x="5132613" y="2472356"/>
-            <a:ext cx="1858939" cy="2256816"/>
+            <a:ext cx="1852353" cy="2256816"/>
           </a:xfrm>
           <a:prstGeom prst="straightConnector1">
             <a:avLst/>
@@ -4516,7 +4465,7 @@
         <p:spPr>
           <a:xfrm flipV="1">
             <a:off x="5132613" y="4086572"/>
-            <a:ext cx="1830052" cy="642600"/>
+            <a:ext cx="1852353" cy="642600"/>
           </a:xfrm>
           <a:prstGeom prst="straightConnector1">
             <a:avLst/>
@@ -4548,7 +4497,7 @@
         </p:nvCxnSpPr>
         <p:spPr>
           <a:xfrm>
-            <a:off x="7950202" y="2440642"/>
+            <a:off x="7934572" y="2472356"/>
             <a:ext cx="304800" cy="0"/>
           </a:xfrm>
           <a:prstGeom prst="straightConnector1">
@@ -4585,7 +4534,7 @@
         <p:spPr>
           <a:xfrm>
             <a:off x="5132613" y="3114956"/>
-            <a:ext cx="1830052" cy="971616"/>
+            <a:ext cx="1852353" cy="971616"/>
           </a:xfrm>
           <a:prstGeom prst="straightConnector1">
             <a:avLst/>
@@ -4617,15 +4566,13 @@
         </p:nvSpPr>
         <p:spPr>
           <a:xfrm>
-            <a:off x="6962665" y="3673786"/>
+            <a:off x="6984966" y="3673786"/>
             <a:ext cx="825572" cy="825572"/>
           </a:xfrm>
           <a:prstGeom prst="ellipse">
             <a:avLst/>
           </a:prstGeom>
-          <a:solidFill>
-            <a:schemeClr val="bg1"/>
-          </a:solidFill>
+          <a:noFill/>
           <a:ln>
             <a:solidFill>
               <a:srgbClr val="FF0000"/>
@@ -4696,7 +4643,7 @@
         </p:nvSpPr>
         <p:spPr>
           <a:xfrm>
-            <a:off x="7156481" y="3783038"/>
+            <a:off x="7178782" y="3767408"/>
             <a:ext cx="437940" cy="646331"/>
           </a:xfrm>
           <a:prstGeom prst="rect">
@@ -4729,7 +4676,7 @@
         </p:nvSpPr>
         <p:spPr>
           <a:xfrm>
-            <a:off x="9513054" y="1895705"/>
+            <a:off x="9411459" y="2059828"/>
             <a:ext cx="1462631" cy="461665"/>
           </a:xfrm>
           <a:prstGeom prst="rect">
@@ -4763,7 +4710,7 @@
         </p:nvCxnSpPr>
         <p:spPr>
           <a:xfrm>
-            <a:off x="7950202" y="4141222"/>
+            <a:off x="7950202" y="4086572"/>
             <a:ext cx="304800" cy="0"/>
           </a:xfrm>
           <a:prstGeom prst="straightConnector1">
@@ -4796,7 +4743,7 @@
         </p:nvSpPr>
         <p:spPr>
           <a:xfrm>
-            <a:off x="8566153" y="1389248"/>
+            <a:off x="8464558" y="1553371"/>
             <a:ext cx="583222" cy="228600"/>
           </a:xfrm>
           <a:prstGeom prst="rect">
@@ -4849,7 +4796,7 @@
         </p:nvSpPr>
         <p:spPr>
           <a:xfrm>
-            <a:off x="8388840" y="2944351"/>
+            <a:off x="8287245" y="3108474"/>
             <a:ext cx="937847" cy="415498"/>
           </a:xfrm>
           <a:prstGeom prst="rect">
@@ -4887,7 +4834,7 @@
         </p:nvSpPr>
         <p:spPr>
           <a:xfrm>
-            <a:off x="8566153" y="1620779"/>
+            <a:off x="8464558" y="1779465"/>
             <a:ext cx="583222" cy="228600"/>
           </a:xfrm>
           <a:prstGeom prst="rect">
@@ -4940,7 +4887,7 @@
         </p:nvSpPr>
         <p:spPr>
           <a:xfrm>
-            <a:off x="8566153" y="1844154"/>
+            <a:off x="8464558" y="2005559"/>
             <a:ext cx="583222" cy="228600"/>
           </a:xfrm>
           <a:prstGeom prst="rect">
@@ -4993,7 +4940,7 @@
         </p:nvSpPr>
         <p:spPr>
           <a:xfrm>
-            <a:off x="8566153" y="2067529"/>
+            <a:off x="8464558" y="2231652"/>
             <a:ext cx="583222" cy="228600"/>
           </a:xfrm>
           <a:prstGeom prst="rect">
@@ -5046,7 +4993,7 @@
         </p:nvSpPr>
         <p:spPr>
           <a:xfrm>
-            <a:off x="8570895" y="2681568"/>
+            <a:off x="8469300" y="2845691"/>
             <a:ext cx="583222" cy="228600"/>
           </a:xfrm>
           <a:prstGeom prst="rect">
@@ -5099,7 +5046,7 @@
         </p:nvCxnSpPr>
         <p:spPr>
           <a:xfrm>
-            <a:off x="8860065" y="2356594"/>
+            <a:off x="8758470" y="2520717"/>
             <a:ext cx="1" cy="266700"/>
           </a:xfrm>
           <a:prstGeom prst="line">
@@ -5132,7 +5079,7 @@
         </p:nvSpPr>
         <p:spPr>
           <a:xfrm>
-            <a:off x="6947878" y="4732231"/>
+            <a:off x="6928829" y="4654078"/>
             <a:ext cx="937847" cy="253916"/>
           </a:xfrm>
           <a:prstGeom prst="rect">
@@ -5167,7 +5114,7 @@
         </p:nvSpPr>
         <p:spPr>
           <a:xfrm>
-            <a:off x="9260206" y="1368586"/>
+            <a:off x="9158611" y="1532709"/>
             <a:ext cx="176875" cy="1548110"/>
           </a:xfrm>
           <a:prstGeom prst="rightBrace">
@@ -5208,7 +5155,7 @@
         </p:nvSpPr>
         <p:spPr>
           <a:xfrm>
-            <a:off x="9513054" y="4356178"/>
+            <a:off x="9427089" y="4317103"/>
             <a:ext cx="1395996" cy="461665"/>
           </a:xfrm>
           <a:prstGeom prst="rect">
@@ -5242,7 +5189,7 @@
         </p:nvSpPr>
         <p:spPr>
           <a:xfrm>
-            <a:off x="8566153" y="3849721"/>
+            <a:off x="8480188" y="3810646"/>
             <a:ext cx="583222" cy="228600"/>
           </a:xfrm>
           <a:prstGeom prst="rect">
@@ -5295,7 +5242,7 @@
         </p:nvSpPr>
         <p:spPr>
           <a:xfrm>
-            <a:off x="8388840" y="5404824"/>
+            <a:off x="8302875" y="5365749"/>
             <a:ext cx="937847" cy="415498"/>
           </a:xfrm>
           <a:prstGeom prst="rect">
@@ -5333,7 +5280,7 @@
         </p:nvSpPr>
         <p:spPr>
           <a:xfrm>
-            <a:off x="8566153" y="4081252"/>
+            <a:off x="8480188" y="4036740"/>
             <a:ext cx="583222" cy="228600"/>
           </a:xfrm>
           <a:prstGeom prst="rect">
@@ -5386,7 +5333,7 @@
         </p:nvSpPr>
         <p:spPr>
           <a:xfrm>
-            <a:off x="8566153" y="4304627"/>
+            <a:off x="8480188" y="4262834"/>
             <a:ext cx="583222" cy="228600"/>
           </a:xfrm>
           <a:prstGeom prst="rect">
@@ -5439,7 +5386,7 @@
         </p:nvSpPr>
         <p:spPr>
           <a:xfrm>
-            <a:off x="8566153" y="4528002"/>
+            <a:off x="8480188" y="4488927"/>
             <a:ext cx="583222" cy="228600"/>
           </a:xfrm>
           <a:prstGeom prst="rect">
@@ -5492,7 +5439,7 @@
         </p:nvSpPr>
         <p:spPr>
           <a:xfrm>
-            <a:off x="8570895" y="5142041"/>
+            <a:off x="8484930" y="5102966"/>
             <a:ext cx="583222" cy="228600"/>
           </a:xfrm>
           <a:prstGeom prst="rect">
@@ -5545,7 +5492,7 @@
         </p:nvCxnSpPr>
         <p:spPr>
           <a:xfrm>
-            <a:off x="8860065" y="4817067"/>
+            <a:off x="8774100" y="4777992"/>
             <a:ext cx="1" cy="266700"/>
           </a:xfrm>
           <a:prstGeom prst="line">
@@ -5578,7 +5525,7 @@
         </p:nvSpPr>
         <p:spPr>
           <a:xfrm>
-            <a:off x="9260206" y="3829059"/>
+            <a:off x="9174241" y="3789984"/>
             <a:ext cx="176875" cy="1548110"/>
           </a:xfrm>
           <a:prstGeom prst="rightBrace">
